--- a/GitHub.pptx
+++ b/GitHub.pptx
@@ -424,7 +424,7 @@
           <a:p>
             <a:fld id="{44CF38B8-F549-4961-8EF8-3832A91D145D}" type="datetimeFigureOut">
               <a:rPr lang="en-US" smtClean="0"/>
-              <a:t>10/13/2022</a:t>
+              <a:t>2/18/2023</a:t>
             </a:fld>
             <a:endParaRPr lang="en-US"/>
           </a:p>
@@ -601,7 +601,7 @@
           <a:p>
             <a:fld id="{A7BBD87A-2FE8-C44B-9CE8-8C9225586695}" type="datetimeFigureOut">
               <a:rPr lang="fr-FR" smtClean="0"/>
-              <a:t>13/10/2022</a:t>
+              <a:t>18/02/2023</a:t>
             </a:fld>
             <a:endParaRPr lang="fr-FR"/>
           </a:p>
@@ -2590,7 +2590,7 @@
           <a:p>
             <a:fld id="{70905F54-95BE-4923-B00B-113C7F87741E}" type="datetime1">
               <a:rPr lang="fr-FR" smtClean="0"/>
-              <a:t>13/10/2022</a:t>
+              <a:t>18/02/2023</a:t>
             </a:fld>
             <a:endParaRPr lang="en-US"/>
           </a:p>
@@ -3212,7 +3212,21 @@
                 <a:latin typeface="Vani" panose="02040502050405020303" pitchFamily="18" charset="0"/>
                 <a:cs typeface="Vani" panose="02040502050405020303" pitchFamily="18" charset="0"/>
               </a:rPr>
-              <a:t>$ git commit –m 	  // Commit changes in index</a:t>
+              <a:t>$ git commit –m ‘</a:t>
+            </a:r>
+            <a:r>
+              <a:rPr lang="en-IN" sz="1800" b="1" dirty="0" err="1">
+                <a:latin typeface="Vani" panose="02040502050405020303" pitchFamily="18" charset="0"/>
+                <a:cs typeface="Vani" panose="02040502050405020303" pitchFamily="18" charset="0"/>
+              </a:rPr>
+              <a:t>dfdfd</a:t>
+            </a:r>
+            <a:r>
+              <a:rPr lang="en-IN" sz="1800" b="1" dirty="0">
+                <a:latin typeface="Vani" panose="02040502050405020303" pitchFamily="18" charset="0"/>
+                <a:cs typeface="Vani" panose="02040502050405020303" pitchFamily="18" charset="0"/>
+              </a:rPr>
+              <a:t>’	  // Commit changes in index</a:t>
             </a:r>
           </a:p>
           <a:p>
@@ -6225,6 +6239,15 @@
 </file>
 
 <file path=customXml/item1.xml><?xml version="1.0" encoding="utf-8"?>
+<?mso-contentType ?>
+<FormTemplates xmlns="http://schemas.microsoft.com/sharepoint/v3/contenttype/forms">
+  <Display>DocumentLibraryForm</Display>
+  <Edit>DocumentLibraryForm</Edit>
+  <New>DocumentLibraryForm</New>
+</FormTemplates>
+</file>
+
+<file path=customXml/item2.xml><?xml version="1.0" encoding="utf-8"?>
 <ct:contentTypeSchema xmlns:ct="http://schemas.microsoft.com/office/2006/metadata/contentType" xmlns:ma="http://schemas.microsoft.com/office/2006/metadata/properties/metaAttributes" ct:_="" ma:_="" ma:contentTypeName="Document" ma:contentTypeID="0x01010044BCB382A24A4C43A604CF3593FC9794" ma:contentTypeVersion="13" ma:contentTypeDescription="Create a new document." ma:contentTypeScope="" ma:versionID="24e16bcd76757a3ce8294c2a8cd0f666">
   <xsd:schema xmlns:xsd="http://www.w3.org/2001/XMLSchema" xmlns:xs="http://www.w3.org/2001/XMLSchema" xmlns:p="http://schemas.microsoft.com/office/2006/metadata/properties" xmlns:ns2="e1b593ba-4699-4c71-8ed2-977e1719253e" xmlns:ns3="356b5b98-edf3-48ec-9d80-fb18d4f9771e" targetNamespace="http://schemas.microsoft.com/office/2006/metadata/properties" ma:root="true" ma:fieldsID="0c2b926c91fc39216bb1636cb4292148" ns2:_="" ns3:_="">
     <xsd:import namespace="e1b593ba-4699-4c71-8ed2-977e1719253e"/>
@@ -6421,15 +6444,6 @@
 </ct:contentTypeSchema>
 </file>
 
-<file path=customXml/item2.xml><?xml version="1.0" encoding="utf-8"?>
-<?mso-contentType ?>
-<FormTemplates xmlns="http://schemas.microsoft.com/sharepoint/v3/contenttype/forms">
-  <Display>DocumentLibraryForm</Display>
-  <Edit>DocumentLibraryForm</Edit>
-  <New>DocumentLibraryForm</New>
-</FormTemplates>
-</file>
-
 <file path=customXml/item3.xml><?xml version="1.0" encoding="utf-8"?>
 <p:properties xmlns:p="http://schemas.microsoft.com/office/2006/metadata/properties" xmlns:xsi="http://www.w3.org/2001/XMLSchema-instance" xmlns:pc="http://schemas.microsoft.com/office/infopath/2007/PartnerControls">
   <documentManagement>
@@ -6455,6 +6469,14 @@
 </file>
 
 <file path=customXml/itemProps1.xml><?xml version="1.0" encoding="utf-8"?>
+<ds:datastoreItem xmlns:ds="http://schemas.openxmlformats.org/officeDocument/2006/customXml" ds:itemID="{EA5D7588-3327-4553-B8E7-AD61A4AB0C24}">
+  <ds:schemaRefs>
+    <ds:schemaRef ds:uri="http://schemas.microsoft.com/sharepoint/v3/contenttype/forms"/>
+  </ds:schemaRefs>
+</ds:datastoreItem>
+</file>
+
+<file path=customXml/itemProps2.xml><?xml version="1.0" encoding="utf-8"?>
 <ds:datastoreItem xmlns:ds="http://schemas.openxmlformats.org/officeDocument/2006/customXml" ds:itemID="{04684B5E-F88B-4946-90CF-DCCD9503C3C4}">
   <ds:schemaRefs>
     <ds:schemaRef ds:uri="http://schemas.microsoft.com/office/2006/metadata/contentType"/>
@@ -6469,14 +6491,6 @@
     <ds:schemaRef ds:uri="http://purl.org/dc/elements/1.1/"/>
     <ds:schemaRef ds:uri="http://purl.org/dc/terms/"/>
     <ds:schemaRef ds:uri="http://schemas.microsoft.com/internal/obd"/>
-  </ds:schemaRefs>
-</ds:datastoreItem>
-</file>
-
-<file path=customXml/itemProps2.xml><?xml version="1.0" encoding="utf-8"?>
-<ds:datastoreItem xmlns:ds="http://schemas.openxmlformats.org/officeDocument/2006/customXml" ds:itemID="{EA5D7588-3327-4553-B8E7-AD61A4AB0C24}">
-  <ds:schemaRefs>
-    <ds:schemaRef ds:uri="http://schemas.microsoft.com/sharepoint/v3/contenttype/forms"/>
   </ds:schemaRefs>
 </ds:datastoreItem>
 </file>
